--- a/pwig/templates/PIWG.pptx
+++ b/pwig/templates/PIWG.pptx
@@ -197,7 +197,7 @@
           <a:p>
             <a:fld id="{CBB3B178-4D53-4415-A2DB-2237BFAA91F9}" type="datetimeFigureOut">
               <a:rPr lang="en-US" smtClean="0"/>
-              <a:t>9/16/2020</a:t>
+              <a:t>9/24/2020</a:t>
             </a:fld>
             <a:endParaRPr lang="en-US"/>
           </a:p>
@@ -2262,7 +2262,7 @@
         <p:spPr>
           <a:xfrm>
             <a:off x="6295555" y="3703320"/>
-            <a:ext cx="5843108" cy="3154680"/>
+            <a:ext cx="5843108" cy="3078480"/>
           </a:xfrm>
         </p:spPr>
         <p:txBody>
@@ -2323,7 +2323,15 @@
             </a:pPr>
             <a:r>
               <a:rPr lang="en-US" sz="1800" dirty="0"/>
-              <a:t>Opened: 			WUC: </a:t>
+              <a:t>Opened: 		    </a:t>
+            </a:r>
+            <a:r>
+              <a:rPr lang="en-US" sz="1800" dirty="0" err="1"/>
+              <a:t>WUC</a:t>
+            </a:r>
+            <a:r>
+              <a:rPr lang="en-US" sz="1800" dirty="0"/>
+              <a:t>: </a:t>
             </a:r>
           </a:p>
           <a:p>
@@ -2335,7 +2343,15 @@
             </a:pPr>
             <a:r>
               <a:rPr lang="en-US" sz="1800" dirty="0"/>
-              <a:t>P/N: 				NSN:</a:t>
+              <a:t>P/N: 			    </a:t>
+            </a:r>
+            <a:r>
+              <a:rPr lang="en-US" sz="1800" dirty="0" err="1"/>
+              <a:t>NSN</a:t>
+            </a:r>
+            <a:r>
+              <a:rPr lang="en-US" sz="1800" dirty="0"/>
+              <a:t>:</a:t>
             </a:r>
           </a:p>
           <a:p>
@@ -2349,6 +2365,15 @@
               <a:rPr lang="en-US" sz="1800" dirty="0"/>
               <a:t>Tech Data:</a:t>
             </a:r>
+          </a:p>
+          <a:p>
+            <a:pPr marL="0" indent="0">
+              <a:spcBef>
+                <a:spcPts val="0"/>
+              </a:spcBef>
+              <a:buNone/>
+            </a:pPr>
+            <a:endParaRPr lang="en-US" sz="1800" dirty="0"/>
           </a:p>
           <a:p>
             <a:pPr marL="0" indent="0">
@@ -2468,9 +2493,19 @@
             <a:pPr marL="0" indent="0">
               <a:buNone/>
             </a:pPr>
+            <a:endParaRPr lang="en-US" sz="1600"/>
+          </a:p>
+          <a:p>
+            <a:pPr marL="0" indent="0">
+              <a:buNone/>
+            </a:pPr>
+            <a:r>
+              <a:rPr lang="en-US" sz="1600"/>
+              <a:t>Milestone </a:t>
+            </a:r>
             <a:r>
               <a:rPr lang="en-US" sz="1600" dirty="0"/>
-              <a:t>Milestone Schedule</a:t>
+              <a:t>Schedule</a:t>
             </a:r>
             <a:endParaRPr lang="en-US" sz="1400" dirty="0"/>
           </a:p>
@@ -2499,7 +2534,7 @@
         <p:spPr>
           <a:xfrm>
             <a:off x="126996" y="3703320"/>
-            <a:ext cx="5957408" cy="3154680"/>
+            <a:ext cx="5957408" cy="3078480"/>
           </a:xfrm>
         </p:spPr>
         <p:txBody>
